--- a/presentation/DevOps Workshop Challenge.pptx
+++ b/presentation/DevOps Workshop Challenge.pptx
@@ -109,6 +109,11 @@
       </a:defRPr>
     </a:lvl9pPr>
   </p:defaultTextStyle>
+  <p:extLst>
+    <p:ext uri="{EFAFB233-063F-42B5-8137-9DF3F51BA10A}">
+      <p15:sldGuideLst xmlns:p15="http://schemas.microsoft.com/office/powerpoint/2012/main"/>
+    </p:ext>
+  </p:extLst>
 </p:presentation>
 </file>
 
@@ -590,7 +595,7 @@
           <a:p>
             <a:fld id="{D048EC7D-24AC-454F-91D8-1E4DB1069F73}" type="datetimeFigureOut">
               <a:rPr lang="en-US" smtClean="0"/>
-              <a:t>1/19/2024</a:t>
+              <a:t>1/29/2024</a:t>
             </a:fld>
             <a:endParaRPr lang="en-US"/>
           </a:p>
@@ -790,7 +795,7 @@
           <a:p>
             <a:fld id="{D048EC7D-24AC-454F-91D8-1E4DB1069F73}" type="datetimeFigureOut">
               <a:rPr lang="en-US" smtClean="0"/>
-              <a:t>1/19/2024</a:t>
+              <a:t>1/29/2024</a:t>
             </a:fld>
             <a:endParaRPr lang="en-US"/>
           </a:p>
@@ -1000,7 +1005,7 @@
           <a:p>
             <a:fld id="{D048EC7D-24AC-454F-91D8-1E4DB1069F73}" type="datetimeFigureOut">
               <a:rPr lang="en-US" smtClean="0"/>
-              <a:t>1/19/2024</a:t>
+              <a:t>1/29/2024</a:t>
             </a:fld>
             <a:endParaRPr lang="en-US"/>
           </a:p>
@@ -1200,7 +1205,7 @@
           <a:p>
             <a:fld id="{D048EC7D-24AC-454F-91D8-1E4DB1069F73}" type="datetimeFigureOut">
               <a:rPr lang="en-US" smtClean="0"/>
-              <a:t>1/19/2024</a:t>
+              <a:t>1/29/2024</a:t>
             </a:fld>
             <a:endParaRPr lang="en-US"/>
           </a:p>
@@ -1476,7 +1481,7 @@
           <a:p>
             <a:fld id="{D048EC7D-24AC-454F-91D8-1E4DB1069F73}" type="datetimeFigureOut">
               <a:rPr lang="en-US" smtClean="0"/>
-              <a:t>1/19/2024</a:t>
+              <a:t>1/29/2024</a:t>
             </a:fld>
             <a:endParaRPr lang="en-US"/>
           </a:p>
@@ -1744,7 +1749,7 @@
           <a:p>
             <a:fld id="{D048EC7D-24AC-454F-91D8-1E4DB1069F73}" type="datetimeFigureOut">
               <a:rPr lang="en-US" smtClean="0"/>
-              <a:t>1/19/2024</a:t>
+              <a:t>1/29/2024</a:t>
             </a:fld>
             <a:endParaRPr lang="en-US"/>
           </a:p>
@@ -2159,7 +2164,7 @@
           <a:p>
             <a:fld id="{D048EC7D-24AC-454F-91D8-1E4DB1069F73}" type="datetimeFigureOut">
               <a:rPr lang="en-US" smtClean="0"/>
-              <a:t>1/19/2024</a:t>
+              <a:t>1/29/2024</a:t>
             </a:fld>
             <a:endParaRPr lang="en-US"/>
           </a:p>
@@ -2301,7 +2306,7 @@
           <a:p>
             <a:fld id="{D048EC7D-24AC-454F-91D8-1E4DB1069F73}" type="datetimeFigureOut">
               <a:rPr lang="en-US" smtClean="0"/>
-              <a:t>1/19/2024</a:t>
+              <a:t>1/29/2024</a:t>
             </a:fld>
             <a:endParaRPr lang="en-US"/>
           </a:p>
@@ -2414,7 +2419,7 @@
           <a:p>
             <a:fld id="{D048EC7D-24AC-454F-91D8-1E4DB1069F73}" type="datetimeFigureOut">
               <a:rPr lang="en-US" smtClean="0"/>
-              <a:t>1/19/2024</a:t>
+              <a:t>1/29/2024</a:t>
             </a:fld>
             <a:endParaRPr lang="en-US"/>
           </a:p>
@@ -2727,7 +2732,7 @@
           <a:p>
             <a:fld id="{D048EC7D-24AC-454F-91D8-1E4DB1069F73}" type="datetimeFigureOut">
               <a:rPr lang="en-US" smtClean="0"/>
-              <a:t>1/19/2024</a:t>
+              <a:t>1/29/2024</a:t>
             </a:fld>
             <a:endParaRPr lang="en-US"/>
           </a:p>
@@ -3016,7 +3021,7 @@
           <a:p>
             <a:fld id="{D048EC7D-24AC-454F-91D8-1E4DB1069F73}" type="datetimeFigureOut">
               <a:rPr lang="en-US" smtClean="0"/>
-              <a:t>1/19/2024</a:t>
+              <a:t>1/29/2024</a:t>
             </a:fld>
             <a:endParaRPr lang="en-US"/>
           </a:p>
@@ -3259,7 +3264,7 @@
           <a:p>
             <a:fld id="{D048EC7D-24AC-454F-91D8-1E4DB1069F73}" type="datetimeFigureOut">
               <a:rPr lang="en-US" smtClean="0"/>
-              <a:t>1/19/2024</a:t>
+              <a:t>1/29/2024</a:t>
             </a:fld>
             <a:endParaRPr lang="en-US"/>
           </a:p>
@@ -5196,42 +5201,42 @@
           <a:lstStyle/>
           <a:p>
             <a:r>
-              <a:rPr lang="pt-PT" sz="2000"/>
+              <a:rPr lang="pt-PT" sz="2000" dirty="0"/>
               <a:t>Personal free-tier Azure account.</a:t>
             </a:r>
           </a:p>
           <a:p>
             <a:r>
-              <a:rPr lang="pt-PT" sz="2000"/>
+              <a:rPr lang="pt-PT" sz="2000" dirty="0"/>
               <a:t>Capped costs at USD 200 (welcome free tier). (about 1 USD actually spent).</a:t>
             </a:r>
           </a:p>
           <a:p>
             <a:r>
-              <a:rPr lang="pt-PT" sz="2000"/>
+              <a:rPr lang="pt-PT" sz="2000" dirty="0"/>
               <a:t>Migrated from macOS to WSL in the middle.</a:t>
             </a:r>
           </a:p>
           <a:p>
             <a:r>
-              <a:rPr lang="pt-PT" sz="2000"/>
-              <a:t>Evolved understanding of the solution. Not as many services required as original design.</a:t>
-            </a:r>
-          </a:p>
-          <a:p>
-            <a:r>
-              <a:rPr lang="pt-PT" sz="2000"/>
+              <a:rPr lang="pt-PT" sz="2000" dirty="0"/>
+              <a:t>Evolved understanding of the solution. Not as many services required as in the original design.</a:t>
+            </a:r>
+          </a:p>
+          <a:p>
+            <a:r>
+              <a:rPr lang="pt-PT" sz="2000" dirty="0"/>
               <a:t>Azure and Terraform docs were reliable (mostly).</a:t>
             </a:r>
           </a:p>
           <a:p>
             <a:r>
-              <a:rPr lang="pt-PT" sz="2000"/>
-              <a:t>ChatGPT was ok instead of Google for ad-hoc concepts. And was ocasially really good for really specific issues</a:t>
-            </a:r>
-          </a:p>
-          <a:p>
-            <a:endParaRPr lang="en-US" sz="2000"/>
+              <a:rPr lang="pt-PT" sz="2000" dirty="0"/>
+              <a:t>ChatGPT was ok instead of Google for ad-hoc concepts. And was ocasially really good for really specific issues.</a:t>
+            </a:r>
+          </a:p>
+          <a:p>
+            <a:endParaRPr lang="en-US" sz="2000" dirty="0"/>
           </a:p>
         </p:txBody>
       </p:sp>
@@ -5506,7 +5511,12 @@
             <p:ph type="title"/>
           </p:nvPr>
         </p:nvSpPr>
-        <p:spPr/>
+        <p:spPr>
+          <a:xfrm>
+            <a:off x="2087412" y="2766218"/>
+            <a:ext cx="3078193" cy="1325563"/>
+          </a:xfrm>
+        </p:spPr>
         <p:txBody>
           <a:bodyPr/>
           <a:lstStyle/>
@@ -5555,7 +5565,7 @@
         </p:blipFill>
         <p:spPr>
           <a:xfrm>
-            <a:off x="3838575" y="2252662"/>
+            <a:off x="5589738" y="2088760"/>
             <a:ext cx="4514850" cy="2352675"/>
           </a:xfrm>
           <a:prstGeom prst="rect">
